--- a/ProcessBillede.pptx
+++ b/ProcessBillede.pptx
@@ -3457,15 +3457,7 @@
           <a:p>
             <a:r>
               <a:rPr lang="en-GB" sz="1200" dirty="0"/>
-              <a:t>Create </a:t>
-            </a:r>
-            <a:r>
-              <a:rPr lang="en-GB" sz="1200" dirty="0" err="1"/>
-              <a:t>dataframe</a:t>
-            </a:r>
-            <a:r>
-              <a:rPr lang="en-GB" sz="1200" dirty="0"/>
-              <a:t> of size num. of articles X num. of features</a:t>
+              <a:t>Create dataframe of size num. of articles X num. of features</a:t>
             </a:r>
           </a:p>
         </p:txBody>
